--- a/Presentatie.pptx
+++ b/Presentatie.pptx
@@ -4395,7 +4395,15 @@
           <a:p>
             <a:r>
               <a:rPr lang="nl-NL" sz="2400" dirty="0"/>
-              <a:t>Resultaat: tot nu toe nog niet behaald. Ik wou 16/24 opdrachten af hebben. Momenteel zit ik op bijna 15 en heb ik er nog 2 gedeeltelijk gemaakt.</a:t>
+              <a:t>Resultaat: tot nu toe nog niet behaald. Ik wou 16/24 opdrachten af hebben. Momenteel zit ik op 15 waarvan er 5 </a:t>
+            </a:r>
+            <a:r>
+              <a:rPr lang="nl-NL" sz="2400"/>
+              <a:t>zijn nagekeken </a:t>
+            </a:r>
+            <a:r>
+              <a:rPr lang="nl-NL" sz="2400" dirty="0"/>
+              <a:t>en heb ik er nog 2 gedeeltelijk gemaakt.</a:t>
             </a:r>
           </a:p>
         </p:txBody>

--- a/Presentatie.pptx
+++ b/Presentatie.pptx
@@ -4395,15 +4395,7 @@
           <a:p>
             <a:r>
               <a:rPr lang="nl-NL" sz="2400" dirty="0"/>
-              <a:t>Resultaat: tot nu toe nog niet behaald. Ik wou 16/24 opdrachten af hebben. Momenteel zit ik op 15 waarvan er 5 </a:t>
-            </a:r>
-            <a:r>
-              <a:rPr lang="nl-NL" sz="2400"/>
-              <a:t>zijn nagekeken </a:t>
-            </a:r>
-            <a:r>
-              <a:rPr lang="nl-NL" sz="2400" dirty="0"/>
-              <a:t>en heb ik er nog 2 gedeeltelijk gemaakt.</a:t>
+              <a:t>Resultaat: tot nu toe nog niet behaald. Ik wou 16/24 opdrachten af hebben. Momenteel heb ik 15 opdrachten af, waarvan er 5 zijn nagekeken. Verder heb ik er nog 3 gedeeltelijk gemaakt.</a:t>
             </a:r>
           </a:p>
         </p:txBody>
